--- a/Project template .pptx
+++ b/Project template .pptx
@@ -119,7 +119,7 @@
   </p:defaultTextStyle>
   <p:extLst>
     <p:ext uri="{EFAFB233-063F-42B5-8137-9DF3F51BA10A}">
-      <p15:sldGuideLst xmlns:p15="http://schemas.microsoft.com/office/powerpoint/2012/main"/>
+      <p15:sldGuideLst xmlns:p15="http://schemas.microsoft.com/office/powerpoint/2012/main" xmlns=""/>
     </p:ext>
   </p:extLst>
 </p:presentation>
@@ -445,7 +445,8 @@
           <a:p>
             <a:fld id="{46256A78-79A6-408F-8148-4F87BB81602D}" type="datetimeFigureOut">
               <a:rPr lang="en-IN" smtClean="0"/>
-              <a:t>05-01-2024</a:t>
+              <a:pPr/>
+              <a:t>17-04-2024</a:t>
             </a:fld>
             <a:endParaRPr lang="en-IN"/>
           </a:p>
@@ -604,6 +605,7 @@
           <a:p>
             <a:fld id="{17E254F1-4415-47BF-9E91-C5D4B9A33350}" type="slidenum">
               <a:rPr lang="en-IN" smtClean="0"/>
+              <a:pPr/>
               <a:t>‹#›</a:t>
             </a:fld>
             <a:endParaRPr lang="en-IN"/>
@@ -613,7 +615,7 @@
     </p:spTree>
     <p:extLst>
       <p:ext uri="{BB962C8B-B14F-4D97-AF65-F5344CB8AC3E}">
-        <p14:creationId xmlns:p14="http://schemas.microsoft.com/office/powerpoint/2010/main" val="538008421"/>
+        <p14:creationId xmlns:p14="http://schemas.microsoft.com/office/powerpoint/2010/main" xmlns="" val="538008421"/>
       </p:ext>
     </p:extLst>
   </p:cSld>
@@ -931,7 +933,7 @@
           <p:cNvPr id="8" name="Date Placeholder 7">
             <a:extLst>
               <a:ext uri="{FF2B5EF4-FFF2-40B4-BE49-F238E27FC236}">
-                <a16:creationId xmlns:a16="http://schemas.microsoft.com/office/drawing/2014/main" id="{7FA0ACE7-29A8-47D3-A7D9-257B711D8023}"/>
+                <a16:creationId xmlns:a16="http://schemas.microsoft.com/office/drawing/2014/main" xmlns="" id="{7FA0ACE7-29A8-47D3-A7D9-257B711D8023}"/>
               </a:ext>
             </a:extLst>
           </p:cNvPr>
@@ -949,7 +951,8 @@
           <a:p>
             <a:fld id="{ED291B17-9318-49DB-B28B-6E5994AE9581}" type="datetime1">
               <a:rPr lang="en-US" smtClean="0"/>
-              <a:t>1/5/2024</a:t>
+              <a:pPr/>
+              <a:t>4/17/2024</a:t>
             </a:fld>
             <a:endParaRPr lang="en-US"/>
           </a:p>
@@ -960,7 +963,7 @@
           <p:cNvPr id="9" name="Footer Placeholder 8">
             <a:extLst>
               <a:ext uri="{FF2B5EF4-FFF2-40B4-BE49-F238E27FC236}">
-                <a16:creationId xmlns:a16="http://schemas.microsoft.com/office/drawing/2014/main" id="{DEC604B9-52E9-4810-8359-47206518D038}"/>
+                <a16:creationId xmlns:a16="http://schemas.microsoft.com/office/drawing/2014/main" xmlns="" id="{DEC604B9-52E9-4810-8359-47206518D038}"/>
               </a:ext>
             </a:extLst>
           </p:cNvPr>
@@ -993,7 +996,7 @@
           <p:cNvPr id="10" name="Slide Number Placeholder 9">
             <a:extLst>
               <a:ext uri="{FF2B5EF4-FFF2-40B4-BE49-F238E27FC236}">
-                <a16:creationId xmlns:a16="http://schemas.microsoft.com/office/drawing/2014/main" id="{5898A89F-CA25-400F-B05A-AECBF2517E4F}"/>
+                <a16:creationId xmlns:a16="http://schemas.microsoft.com/office/drawing/2014/main" xmlns="" id="{5898A89F-CA25-400F-B05A-AECBF2517E4F}"/>
               </a:ext>
             </a:extLst>
           </p:cNvPr>
@@ -1011,6 +1014,7 @@
           <a:p>
             <a:fld id="{3A98EE3D-8CD1-4C3F-BD1C-C98C9596463C}" type="slidenum">
               <a:rPr lang="en-US" smtClean="0"/>
+              <a:pPr/>
               <a:t>‹#›</a:t>
             </a:fld>
             <a:endParaRPr lang="en-US"/>
@@ -1020,7 +1024,7 @@
     </p:spTree>
     <p:extLst>
       <p:ext uri="{BB962C8B-B14F-4D97-AF65-F5344CB8AC3E}">
-        <p14:creationId xmlns:p14="http://schemas.microsoft.com/office/powerpoint/2010/main" val="490017585"/>
+        <p14:creationId xmlns:p14="http://schemas.microsoft.com/office/powerpoint/2010/main" xmlns="" val="490017585"/>
       </p:ext>
     </p:extLst>
   </p:cSld>
@@ -1158,7 +1162,8 @@
           <a:p>
             <a:fld id="{2CED4963-E985-44C4-B8C4-FDD613B7C2F8}" type="datetime1">
               <a:rPr lang="en-US" smtClean="0"/>
-              <a:t>1/5/2024</a:t>
+              <a:pPr/>
+              <a:t>4/17/2024</a:t>
             </a:fld>
             <a:endParaRPr lang="en-US"/>
           </a:p>
@@ -1208,6 +1213,7 @@
           <a:p>
             <a:fld id="{3A98EE3D-8CD1-4C3F-BD1C-C98C9596463C}" type="slidenum">
               <a:rPr lang="en-US" smtClean="0"/>
+              <a:pPr/>
               <a:t>‹#›</a:t>
             </a:fld>
             <a:endParaRPr lang="en-US"/>
@@ -1217,7 +1223,7 @@
     </p:spTree>
     <p:extLst>
       <p:ext uri="{BB962C8B-B14F-4D97-AF65-F5344CB8AC3E}">
-        <p14:creationId xmlns:p14="http://schemas.microsoft.com/office/powerpoint/2010/main" val="1283591147"/>
+        <p14:creationId xmlns:p14="http://schemas.microsoft.com/office/powerpoint/2010/main" xmlns="" val="1283591147"/>
       </p:ext>
     </p:extLst>
   </p:cSld>
@@ -1379,7 +1385,7 @@
           <p:cNvPr id="8" name="Rectangle 7">
             <a:extLst>
               <a:ext uri="{FF2B5EF4-FFF2-40B4-BE49-F238E27FC236}">
-                <a16:creationId xmlns:a16="http://schemas.microsoft.com/office/drawing/2014/main" id="{F6423B97-A5D4-47B9-8861-73B3707A04CF}"/>
+                <a16:creationId xmlns:a16="http://schemas.microsoft.com/office/drawing/2014/main" xmlns="" id="{F6423B97-A5D4-47B9-8861-73B3707A04CF}"/>
               </a:ext>
             </a:extLst>
           </p:cNvPr>
@@ -1422,7 +1428,7 @@
           <p:cNvPr id="9" name="Rectangle 8">
             <a:extLst>
               <a:ext uri="{FF2B5EF4-FFF2-40B4-BE49-F238E27FC236}">
-                <a16:creationId xmlns:a16="http://schemas.microsoft.com/office/drawing/2014/main" id="{1AEC0421-37B4-4481-A10D-69FDF5EC7909}"/>
+                <a16:creationId xmlns:a16="http://schemas.microsoft.com/office/drawing/2014/main" xmlns="" id="{1AEC0421-37B4-4481-A10D-69FDF5EC7909}"/>
               </a:ext>
             </a:extLst>
           </p:cNvPr>
@@ -1465,7 +1471,7 @@
           <p:cNvPr id="10" name="Rectangle 9">
             <a:extLst>
               <a:ext uri="{FF2B5EF4-FFF2-40B4-BE49-F238E27FC236}">
-                <a16:creationId xmlns:a16="http://schemas.microsoft.com/office/drawing/2014/main" id="{5F7265B5-9F97-4F1E-99E9-74F7B7E62337}"/>
+                <a16:creationId xmlns:a16="http://schemas.microsoft.com/office/drawing/2014/main" xmlns="" id="{5F7265B5-9F97-4F1E-99E9-74F7B7E62337}"/>
               </a:ext>
             </a:extLst>
           </p:cNvPr>
@@ -1508,7 +1514,7 @@
           <p:cNvPr id="11" name="Date Placeholder 10">
             <a:extLst>
               <a:ext uri="{FF2B5EF4-FFF2-40B4-BE49-F238E27FC236}">
-                <a16:creationId xmlns:a16="http://schemas.microsoft.com/office/drawing/2014/main" id="{5C74A470-3BD3-4F33-80E5-67E6E87FCBE7}"/>
+                <a16:creationId xmlns:a16="http://schemas.microsoft.com/office/drawing/2014/main" xmlns="" id="{5C74A470-3BD3-4F33-80E5-67E6E87FCBE7}"/>
               </a:ext>
             </a:extLst>
           </p:cNvPr>
@@ -1526,7 +1532,8 @@
           <a:p>
             <a:fld id="{ED291B17-9318-49DB-B28B-6E5994AE9581}" type="datetime1">
               <a:rPr lang="en-US" smtClean="0"/>
-              <a:t>1/5/2024</a:t>
+              <a:pPr/>
+              <a:t>4/17/2024</a:t>
             </a:fld>
             <a:endParaRPr lang="en-US"/>
           </a:p>
@@ -1537,7 +1544,7 @@
           <p:cNvPr id="12" name="Footer Placeholder 11">
             <a:extLst>
               <a:ext uri="{FF2B5EF4-FFF2-40B4-BE49-F238E27FC236}">
-                <a16:creationId xmlns:a16="http://schemas.microsoft.com/office/drawing/2014/main" id="{9A3A30BA-DB50-4D7D-BCDE-17D20FB354DF}"/>
+                <a16:creationId xmlns:a16="http://schemas.microsoft.com/office/drawing/2014/main" xmlns="" id="{9A3A30BA-DB50-4D7D-BCDE-17D20FB354DF}"/>
               </a:ext>
             </a:extLst>
           </p:cNvPr>
@@ -1570,7 +1577,7 @@
           <p:cNvPr id="13" name="Slide Number Placeholder 12">
             <a:extLst>
               <a:ext uri="{FF2B5EF4-FFF2-40B4-BE49-F238E27FC236}">
-                <a16:creationId xmlns:a16="http://schemas.microsoft.com/office/drawing/2014/main" id="{76FF9E58-C0B2-436B-A21C-DB45A00D6515}"/>
+                <a16:creationId xmlns:a16="http://schemas.microsoft.com/office/drawing/2014/main" xmlns="" id="{76FF9E58-C0B2-436B-A21C-DB45A00D6515}"/>
               </a:ext>
             </a:extLst>
           </p:cNvPr>
@@ -1588,6 +1595,7 @@
           <a:p>
             <a:fld id="{3A98EE3D-8CD1-4C3F-BD1C-C98C9596463C}" type="slidenum">
               <a:rPr lang="en-US" smtClean="0"/>
+              <a:pPr/>
               <a:t>‹#›</a:t>
             </a:fld>
             <a:endParaRPr lang="en-US"/>
@@ -1597,7 +1605,7 @@
     </p:spTree>
     <p:extLst>
       <p:ext uri="{BB962C8B-B14F-4D97-AF65-F5344CB8AC3E}">
-        <p14:creationId xmlns:p14="http://schemas.microsoft.com/office/powerpoint/2010/main" val="3388849626"/>
+        <p14:creationId xmlns:p14="http://schemas.microsoft.com/office/powerpoint/2010/main" xmlns="" val="3388849626"/>
       </p:ext>
     </p:extLst>
   </p:cSld>
@@ -1712,7 +1720,7 @@
           <p:cNvPr id="8" name="Date Placeholder 7">
             <a:extLst>
               <a:ext uri="{FF2B5EF4-FFF2-40B4-BE49-F238E27FC236}">
-                <a16:creationId xmlns:a16="http://schemas.microsoft.com/office/drawing/2014/main" id="{770E6237-3456-439F-802D-3BA93FC7E3E5}"/>
+                <a16:creationId xmlns:a16="http://schemas.microsoft.com/office/drawing/2014/main" xmlns="" id="{770E6237-3456-439F-802D-3BA93FC7E3E5}"/>
               </a:ext>
             </a:extLst>
           </p:cNvPr>
@@ -1730,7 +1738,8 @@
           <a:p>
             <a:fld id="{78DD82B9-B8EE-4375-B6FF-88FA6ABB15D9}" type="datetime1">
               <a:rPr lang="en-US" smtClean="0"/>
-              <a:t>1/5/2024</a:t>
+              <a:pPr/>
+              <a:t>4/17/2024</a:t>
             </a:fld>
             <a:endParaRPr lang="en-US"/>
           </a:p>
@@ -1739,7 +1748,7 @@
     </p:spTree>
     <p:extLst>
       <p:ext uri="{BB962C8B-B14F-4D97-AF65-F5344CB8AC3E}">
-        <p14:creationId xmlns:p14="http://schemas.microsoft.com/office/powerpoint/2010/main" val="852443411"/>
+        <p14:creationId xmlns:p14="http://schemas.microsoft.com/office/powerpoint/2010/main" xmlns="" val="852443411"/>
       </p:ext>
     </p:extLst>
   </p:cSld>
@@ -1969,7 +1978,7 @@
           <p:cNvPr id="7" name="Date Placeholder 6">
             <a:extLst>
               <a:ext uri="{FF2B5EF4-FFF2-40B4-BE49-F238E27FC236}">
-                <a16:creationId xmlns:a16="http://schemas.microsoft.com/office/drawing/2014/main" id="{61582016-5696-4A93-887F-BBB3B9002FE5}"/>
+                <a16:creationId xmlns:a16="http://schemas.microsoft.com/office/drawing/2014/main" xmlns="" id="{61582016-5696-4A93-887F-BBB3B9002FE5}"/>
               </a:ext>
             </a:extLst>
           </p:cNvPr>
@@ -1987,7 +1996,8 @@
           <a:p>
             <a:fld id="{B2497495-0637-405E-AE64-5CC7506D51F5}" type="datetime1">
               <a:rPr lang="en-US" smtClean="0"/>
-              <a:t>1/5/2024</a:t>
+              <a:pPr/>
+              <a:t>4/17/2024</a:t>
             </a:fld>
             <a:endParaRPr lang="en-US"/>
           </a:p>
@@ -1998,7 +2008,7 @@
           <p:cNvPr id="9" name="Footer Placeholder 8">
             <a:extLst>
               <a:ext uri="{FF2B5EF4-FFF2-40B4-BE49-F238E27FC236}">
-                <a16:creationId xmlns:a16="http://schemas.microsoft.com/office/drawing/2014/main" id="{857CFCD5-1192-4E18-8A8F-29E153B44DA4}"/>
+                <a16:creationId xmlns:a16="http://schemas.microsoft.com/office/drawing/2014/main" xmlns="" id="{857CFCD5-1192-4E18-8A8F-29E153B44DA4}"/>
               </a:ext>
             </a:extLst>
           </p:cNvPr>
@@ -2031,7 +2041,7 @@
           <p:cNvPr id="10" name="Slide Number Placeholder 9">
             <a:extLst>
               <a:ext uri="{FF2B5EF4-FFF2-40B4-BE49-F238E27FC236}">
-                <a16:creationId xmlns:a16="http://schemas.microsoft.com/office/drawing/2014/main" id="{E39A109E-5018-4794-92B3-FD5E5BCD95E8}"/>
+                <a16:creationId xmlns:a16="http://schemas.microsoft.com/office/drawing/2014/main" xmlns="" id="{E39A109E-5018-4794-92B3-FD5E5BCD95E8}"/>
               </a:ext>
             </a:extLst>
           </p:cNvPr>
@@ -2049,6 +2059,7 @@
           <a:p>
             <a:fld id="{3A98EE3D-8CD1-4C3F-BD1C-C98C9596463C}" type="slidenum">
               <a:rPr lang="en-US" smtClean="0"/>
+              <a:pPr/>
               <a:t>‹#›</a:t>
             </a:fld>
             <a:endParaRPr lang="en-US"/>
@@ -2058,7 +2069,7 @@
     </p:spTree>
     <p:extLst>
       <p:ext uri="{BB962C8B-B14F-4D97-AF65-F5344CB8AC3E}">
-        <p14:creationId xmlns:p14="http://schemas.microsoft.com/office/powerpoint/2010/main" val="366680978"/>
+        <p14:creationId xmlns:p14="http://schemas.microsoft.com/office/powerpoint/2010/main" xmlns="" val="366680978"/>
       </p:ext>
     </p:extLst>
   </p:cSld>
@@ -2245,7 +2256,8 @@
           <a:p>
             <a:fld id="{7BFFD690-9426-415D-8B65-26881E07B2D4}" type="datetime1">
               <a:rPr lang="en-US" smtClean="0"/>
-              <a:t>1/5/2024</a:t>
+              <a:pPr/>
+              <a:t>4/17/2024</a:t>
             </a:fld>
             <a:endParaRPr lang="en-US"/>
           </a:p>
@@ -2295,6 +2307,7 @@
           <a:p>
             <a:fld id="{3A98EE3D-8CD1-4C3F-BD1C-C98C9596463C}" type="slidenum">
               <a:rPr lang="en-US" smtClean="0"/>
+              <a:pPr/>
               <a:t>‹#›</a:t>
             </a:fld>
             <a:endParaRPr lang="en-US"/>
@@ -2304,7 +2317,7 @@
     </p:spTree>
     <p:extLst>
       <p:ext uri="{BB962C8B-B14F-4D97-AF65-F5344CB8AC3E}">
-        <p14:creationId xmlns:p14="http://schemas.microsoft.com/office/powerpoint/2010/main" val="2483323219"/>
+        <p14:creationId xmlns:p14="http://schemas.microsoft.com/office/powerpoint/2010/main" xmlns="" val="2483323219"/>
       </p:ext>
     </p:extLst>
   </p:cSld>
@@ -2672,7 +2685,8 @@
           <a:p>
             <a:fld id="{04C4989A-474C-40DE-95B9-011C28B71673}" type="datetime1">
               <a:rPr lang="en-US" smtClean="0"/>
-              <a:t>1/5/2024</a:t>
+              <a:pPr/>
+              <a:t>4/17/2024</a:t>
             </a:fld>
             <a:endParaRPr lang="en-US"/>
           </a:p>
@@ -2722,6 +2736,7 @@
           <a:p>
             <a:fld id="{3A98EE3D-8CD1-4C3F-BD1C-C98C9596463C}" type="slidenum">
               <a:rPr lang="en-US" smtClean="0"/>
+              <a:pPr/>
               <a:t>‹#›</a:t>
             </a:fld>
             <a:endParaRPr lang="en-US"/>
@@ -2731,7 +2746,7 @@
     </p:spTree>
     <p:extLst>
       <p:ext uri="{BB962C8B-B14F-4D97-AF65-F5344CB8AC3E}">
-        <p14:creationId xmlns:p14="http://schemas.microsoft.com/office/powerpoint/2010/main" val="1748046589"/>
+        <p14:creationId xmlns:p14="http://schemas.microsoft.com/office/powerpoint/2010/main" xmlns="" val="1748046589"/>
       </p:ext>
     </p:extLst>
   </p:cSld>
@@ -2802,7 +2817,8 @@
           <a:p>
             <a:fld id="{5DB4ED54-5B5E-4A04-93D3-5772E3CE3818}" type="datetime1">
               <a:rPr lang="en-US" smtClean="0"/>
-              <a:t>1/5/2024</a:t>
+              <a:pPr/>
+              <a:t>4/17/2024</a:t>
             </a:fld>
             <a:endParaRPr lang="en-US"/>
           </a:p>
@@ -2852,6 +2868,7 @@
           <a:p>
             <a:fld id="{3A98EE3D-8CD1-4C3F-BD1C-C98C9596463C}" type="slidenum">
               <a:rPr lang="en-US" smtClean="0"/>
+              <a:pPr/>
               <a:t>‹#›</a:t>
             </a:fld>
             <a:endParaRPr lang="en-US"/>
@@ -2861,7 +2878,7 @@
     </p:spTree>
     <p:extLst>
       <p:ext uri="{BB962C8B-B14F-4D97-AF65-F5344CB8AC3E}">
-        <p14:creationId xmlns:p14="http://schemas.microsoft.com/office/powerpoint/2010/main" val="112936382"/>
+        <p14:creationId xmlns:p14="http://schemas.microsoft.com/office/powerpoint/2010/main" xmlns="" val="112936382"/>
       </p:ext>
     </p:extLst>
   </p:cSld>
@@ -2905,7 +2922,8 @@
           <a:p>
             <a:fld id="{4EDE50D6-574B-40AF-946F-D52A04ADE379}" type="datetime1">
               <a:rPr lang="en-US" smtClean="0"/>
-              <a:t>1/5/2024</a:t>
+              <a:pPr/>
+              <a:t>4/17/2024</a:t>
             </a:fld>
             <a:endParaRPr lang="en-US"/>
           </a:p>
@@ -2955,6 +2973,7 @@
           <a:p>
             <a:fld id="{3A98EE3D-8CD1-4C3F-BD1C-C98C9596463C}" type="slidenum">
               <a:rPr lang="en-US" smtClean="0"/>
+              <a:pPr/>
               <a:t>‹#›</a:t>
             </a:fld>
             <a:endParaRPr lang="en-US"/>
@@ -2964,7 +2983,7 @@
     </p:spTree>
     <p:extLst>
       <p:ext uri="{BB962C8B-B14F-4D97-AF65-F5344CB8AC3E}">
-        <p14:creationId xmlns:p14="http://schemas.microsoft.com/office/powerpoint/2010/main" val="1129494974"/>
+        <p14:creationId xmlns:p14="http://schemas.microsoft.com/office/powerpoint/2010/main" xmlns="" val="1129494974"/>
       </p:ext>
     </p:extLst>
   </p:cSld>
@@ -3265,7 +3284,7 @@
           <p:cNvPr id="8" name="Date Placeholder 7">
             <a:extLst>
               <a:ext uri="{FF2B5EF4-FFF2-40B4-BE49-F238E27FC236}">
-                <a16:creationId xmlns:a16="http://schemas.microsoft.com/office/drawing/2014/main" id="{0B919CC2-2A65-446F-B538-9E6249035445}"/>
+                <a16:creationId xmlns:a16="http://schemas.microsoft.com/office/drawing/2014/main" xmlns="" id="{0B919CC2-2A65-446F-B538-9E6249035445}"/>
               </a:ext>
             </a:extLst>
           </p:cNvPr>
@@ -3288,7 +3307,8 @@
           <a:p>
             <a:fld id="{D82884F1-FFEA-405F-9602-3DCA865EDA4E}" type="datetime1">
               <a:rPr lang="en-US" smtClean="0"/>
-              <a:t>1/5/2024</a:t>
+              <a:pPr/>
+              <a:t>4/17/2024</a:t>
             </a:fld>
             <a:endParaRPr lang="en-US"/>
           </a:p>
@@ -3299,7 +3319,7 @@
           <p:cNvPr id="10" name="Footer Placeholder 9">
             <a:extLst>
               <a:ext uri="{FF2B5EF4-FFF2-40B4-BE49-F238E27FC236}">
-                <a16:creationId xmlns:a16="http://schemas.microsoft.com/office/drawing/2014/main" id="{B72412AE-119E-4982-8B24-63365EFCA796}"/>
+                <a16:creationId xmlns:a16="http://schemas.microsoft.com/office/drawing/2014/main" xmlns="" id="{B72412AE-119E-4982-8B24-63365EFCA796}"/>
               </a:ext>
             </a:extLst>
           </p:cNvPr>
@@ -3332,7 +3352,7 @@
           <p:cNvPr id="11" name="Slide Number Placeholder 10">
             <a:extLst>
               <a:ext uri="{FF2B5EF4-FFF2-40B4-BE49-F238E27FC236}">
-                <a16:creationId xmlns:a16="http://schemas.microsoft.com/office/drawing/2014/main" id="{7FC4BB19-6AD1-45CF-9F99-00B109890FAB}"/>
+                <a16:creationId xmlns:a16="http://schemas.microsoft.com/office/drawing/2014/main" xmlns="" id="{7FC4BB19-6AD1-45CF-9F99-00B109890FAB}"/>
               </a:ext>
             </a:extLst>
           </p:cNvPr>
@@ -3365,7 +3385,7 @@
     </p:spTree>
     <p:extLst>
       <p:ext uri="{BB962C8B-B14F-4D97-AF65-F5344CB8AC3E}">
-        <p14:creationId xmlns:p14="http://schemas.microsoft.com/office/powerpoint/2010/main" val="1261766693"/>
+        <p14:creationId xmlns:p14="http://schemas.microsoft.com/office/powerpoint/2010/main" xmlns="" val="1261766693"/>
       </p:ext>
     </p:extLst>
   </p:cSld>
@@ -3582,7 +3602,8 @@
           <a:p>
             <a:fld id="{7E18DB4A-8810-4A10-AD5C-D5E2C667F5B3}" type="datetime1">
               <a:rPr lang="en-US" smtClean="0"/>
-              <a:t>1/5/2024</a:t>
+              <a:pPr/>
+              <a:t>4/17/2024</a:t>
             </a:fld>
             <a:endParaRPr lang="en-US"/>
           </a:p>
@@ -3633,6 +3654,7 @@
           <a:p>
             <a:fld id="{3A98EE3D-8CD1-4C3F-BD1C-C98C9596463C}" type="slidenum">
               <a:rPr lang="en-US" smtClean="0"/>
+              <a:pPr/>
               <a:t>‹#›</a:t>
             </a:fld>
             <a:endParaRPr lang="en-US"/>
@@ -3642,7 +3664,7 @@
     </p:spTree>
     <p:extLst>
       <p:ext uri="{BB962C8B-B14F-4D97-AF65-F5344CB8AC3E}">
-        <p14:creationId xmlns:p14="http://schemas.microsoft.com/office/powerpoint/2010/main" val="3573289553"/>
+        <p14:creationId xmlns:p14="http://schemas.microsoft.com/office/powerpoint/2010/main" xmlns="" val="3573289553"/>
       </p:ext>
     </p:extLst>
   </p:cSld>
@@ -3803,7 +3825,8 @@
           <a:p>
             <a:fld id="{ED291B17-9318-49DB-B28B-6E5994AE9581}" type="datetime1">
               <a:rPr lang="en-US" smtClean="0"/>
-              <a:t>1/5/2024</a:t>
+              <a:pPr/>
+              <a:t>4/17/2024</a:t>
             </a:fld>
             <a:endParaRPr lang="en-US"/>
           </a:p>
@@ -3845,6 +3868,7 @@
           <a:p>
             <a:fld id="{3A98EE3D-8CD1-4C3F-BD1C-C98C9596463C}" type="slidenum">
               <a:rPr lang="en-US" smtClean="0"/>
+              <a:pPr/>
               <a:t>‹#›</a:t>
             </a:fld>
             <a:endParaRPr lang="en-US"/>
@@ -3967,7 +3991,7 @@
           <p:cNvPr id="8" name="Picture 7" descr="Logo&#10;&#10;Description automatically generated">
             <a:extLst>
               <a:ext uri="{FF2B5EF4-FFF2-40B4-BE49-F238E27FC236}">
-                <a16:creationId xmlns:a16="http://schemas.microsoft.com/office/drawing/2014/main" id="{14A64E4D-8DED-7830-2955-1BE78C5B0655}"/>
+                <a16:creationId xmlns:a16="http://schemas.microsoft.com/office/drawing/2014/main" xmlns="" id="{14A64E4D-8DED-7830-2955-1BE78C5B0655}"/>
               </a:ext>
             </a:extLst>
           </p:cNvPr>
@@ -3995,7 +4019,7 @@
     </p:spTree>
     <p:extLst>
       <p:ext uri="{BB962C8B-B14F-4D97-AF65-F5344CB8AC3E}">
-        <p14:creationId xmlns:p14="http://schemas.microsoft.com/office/powerpoint/2010/main" val="3000897896"/>
+        <p14:creationId xmlns:p14="http://schemas.microsoft.com/office/powerpoint/2010/main" xmlns="" val="3000897896"/>
       </p:ext>
     </p:extLst>
   </p:cSld>
@@ -4432,7 +4456,7 @@
           <p:cNvPr id="2" name="Title 1">
             <a:extLst>
               <a:ext uri="{FF2B5EF4-FFF2-40B4-BE49-F238E27FC236}">
-                <a16:creationId xmlns:a16="http://schemas.microsoft.com/office/drawing/2014/main" id="{A8A11E26-4C38-41A6-9857-11032CEECD80}"/>
+                <a16:creationId xmlns:a16="http://schemas.microsoft.com/office/drawing/2014/main" xmlns="" id="{A8A11E26-4C38-41A6-9857-11032CEECD80}"/>
               </a:ext>
             </a:extLst>
           </p:cNvPr>
@@ -4514,7 +4538,7 @@
         <p:spPr>
           <a:xfrm>
             <a:off x="3117529" y="4586365"/>
-            <a:ext cx="7980183" cy="707886"/>
+            <a:ext cx="7980183" cy="1323439"/>
           </a:xfrm>
           <a:prstGeom prst="rect">
             <a:avLst/>
@@ -4528,7 +4552,7 @@
           <a:lstStyle/>
           <a:p>
             <a:r>
-              <a:rPr lang="en-US" sz="2000" b="1">
+              <a:rPr lang="en-US" sz="2000" b="1" dirty="0">
                 <a:solidFill>
                   <a:schemeClr val="accent1">
                     <a:lumMod val="75000"/>
@@ -4537,29 +4561,198 @@
                 <a:latin typeface="Arial" pitchFamily="34" charset="0"/>
                 <a:cs typeface="Arial" pitchFamily="34" charset="0"/>
               </a:rPr>
-              <a:t>Presented By:</a:t>
-            </a:r>
-          </a:p>
-          <a:p>
-            <a:r>
-              <a:rPr lang="en-US" sz="2000" b="1">
+              <a:t>Presented By</a:t>
+            </a:r>
+            <a:r>
+              <a:rPr lang="en-US" sz="2000" b="1" dirty="0" smtClean="0">
                 <a:solidFill>
                   <a:schemeClr val="accent1">
                     <a:lumMod val="75000"/>
                   </a:schemeClr>
                 </a:solidFill>
-                <a:latin typeface="Arial"/>
-                <a:cs typeface="Arial"/>
-              </a:rPr>
-              <a:t>1. Student Name-College Name-Department</a:t>
-            </a:r>
+                <a:latin typeface="Arial" pitchFamily="34" charset="0"/>
+                <a:cs typeface="Arial" pitchFamily="34" charset="0"/>
+              </a:rPr>
+              <a:t>:</a:t>
+            </a:r>
+          </a:p>
+          <a:p>
+            <a:r>
+              <a:rPr lang="en-US" sz="2000" b="1" dirty="0" smtClean="0">
+                <a:solidFill>
+                  <a:schemeClr val="accent1">
+                    <a:lumMod val="75000"/>
+                  </a:schemeClr>
+                </a:solidFill>
+                <a:latin typeface="Arial" pitchFamily="34" charset="0"/>
+                <a:cs typeface="Arial" pitchFamily="34" charset="0"/>
+              </a:rPr>
+              <a:t>                 NISHA A</a:t>
+            </a:r>
+          </a:p>
+          <a:p>
+            <a:r>
+              <a:rPr lang="en-US" sz="2000" b="1" dirty="0" smtClean="0">
+                <a:solidFill>
+                  <a:schemeClr val="accent1">
+                    <a:lumMod val="75000"/>
+                  </a:schemeClr>
+                </a:solidFill>
+                <a:latin typeface="Arial" pitchFamily="34" charset="0"/>
+                <a:cs typeface="Arial" pitchFamily="34" charset="0"/>
+              </a:rPr>
+              <a:t> </a:t>
+            </a:r>
+            <a:r>
+              <a:rPr lang="en-US" sz="2000" b="1" dirty="0" smtClean="0">
+                <a:solidFill>
+                  <a:schemeClr val="accent1">
+                    <a:lumMod val="75000"/>
+                  </a:schemeClr>
+                </a:solidFill>
+                <a:latin typeface="Arial" pitchFamily="34" charset="0"/>
+                <a:cs typeface="Arial" pitchFamily="34" charset="0"/>
+              </a:rPr>
+              <a:t>               3</a:t>
+            </a:r>
+            <a:r>
+              <a:rPr lang="en-US" sz="2000" b="1" baseline="30000" dirty="0" smtClean="0">
+                <a:solidFill>
+                  <a:schemeClr val="accent1">
+                    <a:lumMod val="75000"/>
+                  </a:schemeClr>
+                </a:solidFill>
+                <a:latin typeface="Arial" pitchFamily="34" charset="0"/>
+                <a:cs typeface="Arial" pitchFamily="34" charset="0"/>
+              </a:rPr>
+              <a:t>rd</a:t>
+            </a:r>
+            <a:r>
+              <a:rPr lang="en-US" sz="2000" b="1" dirty="0" smtClean="0">
+                <a:solidFill>
+                  <a:schemeClr val="accent1">
+                    <a:lumMod val="75000"/>
+                  </a:schemeClr>
+                </a:solidFill>
+                <a:latin typeface="Arial" pitchFamily="34" charset="0"/>
+                <a:cs typeface="Arial" pitchFamily="34" charset="0"/>
+              </a:rPr>
+              <a:t> –</a:t>
+            </a:r>
+            <a:r>
+              <a:rPr lang="en-US" sz="2000" b="1" dirty="0" err="1" smtClean="0">
+                <a:solidFill>
+                  <a:schemeClr val="accent1">
+                    <a:lumMod val="75000"/>
+                  </a:schemeClr>
+                </a:solidFill>
+                <a:latin typeface="Arial" pitchFamily="34" charset="0"/>
+                <a:cs typeface="Arial" pitchFamily="34" charset="0"/>
+              </a:rPr>
+              <a:t>B.Tech</a:t>
+            </a:r>
+            <a:r>
+              <a:rPr lang="en-US" sz="2000" b="1" dirty="0" smtClean="0">
+                <a:solidFill>
+                  <a:schemeClr val="accent1">
+                    <a:lumMod val="75000"/>
+                  </a:schemeClr>
+                </a:solidFill>
+                <a:latin typeface="Arial" pitchFamily="34" charset="0"/>
+                <a:cs typeface="Arial" pitchFamily="34" charset="0"/>
+              </a:rPr>
+              <a:t>-IT</a:t>
+            </a:r>
+          </a:p>
+          <a:p>
+            <a:r>
+              <a:rPr lang="en-US" sz="2000" b="1" dirty="0" smtClean="0">
+                <a:solidFill>
+                  <a:schemeClr val="accent1">
+                    <a:lumMod val="75000"/>
+                  </a:schemeClr>
+                </a:solidFill>
+                <a:latin typeface="Arial" pitchFamily="34" charset="0"/>
+                <a:cs typeface="Arial" pitchFamily="34" charset="0"/>
+              </a:rPr>
+              <a:t> </a:t>
+            </a:r>
+            <a:r>
+              <a:rPr lang="en-US" sz="2000" b="1" dirty="0" smtClean="0">
+                <a:solidFill>
+                  <a:schemeClr val="accent1">
+                    <a:lumMod val="75000"/>
+                  </a:schemeClr>
+                </a:solidFill>
+                <a:latin typeface="Arial" pitchFamily="34" charset="0"/>
+                <a:cs typeface="Arial" pitchFamily="34" charset="0"/>
+              </a:rPr>
+              <a:t>               </a:t>
+            </a:r>
+            <a:r>
+              <a:rPr lang="en-US" sz="2000" b="1" dirty="0" err="1" smtClean="0">
+                <a:solidFill>
+                  <a:schemeClr val="accent1">
+                    <a:lumMod val="75000"/>
+                  </a:schemeClr>
+                </a:solidFill>
+                <a:latin typeface="Arial" pitchFamily="34" charset="0"/>
+                <a:cs typeface="Arial" pitchFamily="34" charset="0"/>
+              </a:rPr>
+              <a:t>Mookambigai</a:t>
+            </a:r>
+            <a:r>
+              <a:rPr lang="en-US" sz="2000" b="1" dirty="0" smtClean="0">
+                <a:solidFill>
+                  <a:schemeClr val="accent1">
+                    <a:lumMod val="75000"/>
+                  </a:schemeClr>
+                </a:solidFill>
+                <a:latin typeface="Arial" pitchFamily="34" charset="0"/>
+                <a:cs typeface="Arial" pitchFamily="34" charset="0"/>
+              </a:rPr>
+              <a:t> college </a:t>
+            </a:r>
+            <a:r>
+              <a:rPr lang="en-US" sz="2000" b="1" dirty="0" err="1" smtClean="0">
+                <a:solidFill>
+                  <a:schemeClr val="accent1">
+                    <a:lumMod val="75000"/>
+                  </a:schemeClr>
+                </a:solidFill>
+                <a:latin typeface="Arial" pitchFamily="34" charset="0"/>
+                <a:cs typeface="Arial" pitchFamily="34" charset="0"/>
+              </a:rPr>
+              <a:t>ofengineering</a:t>
+            </a:r>
+            <a:r>
+              <a:rPr lang="en-US" sz="2000" b="1" dirty="0" smtClean="0">
+                <a:solidFill>
+                  <a:schemeClr val="accent1">
+                    <a:lumMod val="75000"/>
+                  </a:schemeClr>
+                </a:solidFill>
+                <a:latin typeface="Arial" pitchFamily="34" charset="0"/>
+                <a:cs typeface="Arial" pitchFamily="34" charset="0"/>
+              </a:rPr>
+              <a:t> </a:t>
+            </a:r>
+            <a:endParaRPr lang="en-US" sz="2000" b="1" dirty="0">
+              <a:solidFill>
+                <a:schemeClr val="accent1">
+                  <a:lumMod val="75000"/>
+                </a:schemeClr>
+              </a:solidFill>
+              <a:latin typeface="Arial" pitchFamily="34" charset="0"/>
+              <a:cs typeface="Arial" pitchFamily="34" charset="0"/>
+            </a:endParaRPr>
           </a:p>
         </p:txBody>
       </p:sp>
     </p:spTree>
     <p:extLst>
       <p:ext uri="{BB962C8B-B14F-4D97-AF65-F5344CB8AC3E}">
-        <p14:creationId xmlns:p14="http://schemas.microsoft.com/office/powerpoint/2010/main" val="953325580"/>
+        <p14:creationId xmlns:p14="http://schemas.microsoft.com/office/powerpoint/2010/main" xmlns="" val="953325580"/>
       </p:ext>
     </p:extLst>
   </p:cSld>
@@ -4591,7 +4784,7 @@
           <p:cNvPr id="5" name="Title 4">
             <a:extLst>
               <a:ext uri="{FF2B5EF4-FFF2-40B4-BE49-F238E27FC236}">
-                <a16:creationId xmlns:a16="http://schemas.microsoft.com/office/drawing/2014/main" id="{8FBA75B4-2DD5-42EB-9397-F36BFB8BA723}"/>
+                <a16:creationId xmlns:a16="http://schemas.microsoft.com/office/drawing/2014/main" xmlns="" id="{8FBA75B4-2DD5-42EB-9397-F36BFB8BA723}"/>
               </a:ext>
             </a:extLst>
           </p:cNvPr>
@@ -4629,7 +4822,7 @@
           <p:cNvPr id="2" name="Content Placeholder 1">
             <a:extLst>
               <a:ext uri="{FF2B5EF4-FFF2-40B4-BE49-F238E27FC236}">
-                <a16:creationId xmlns:a16="http://schemas.microsoft.com/office/drawing/2014/main" id="{357C38BC-22B3-37B2-E0C3-812020A76077}"/>
+                <a16:creationId xmlns:a16="http://schemas.microsoft.com/office/drawing/2014/main" xmlns="" id="{357C38BC-22B3-37B2-E0C3-812020A76077}"/>
               </a:ext>
             </a:extLst>
           </p:cNvPr>
@@ -4665,7 +4858,7 @@
     </p:spTree>
     <p:extLst>
       <p:ext uri="{BB962C8B-B14F-4D97-AF65-F5344CB8AC3E}">
-        <p14:creationId xmlns:p14="http://schemas.microsoft.com/office/powerpoint/2010/main" val="728950222"/>
+        <p14:creationId xmlns:p14="http://schemas.microsoft.com/office/powerpoint/2010/main" xmlns="" val="728950222"/>
       </p:ext>
     </p:extLst>
   </p:cSld>
@@ -4697,7 +4890,7 @@
           <p:cNvPr id="5" name="Title 4">
             <a:extLst>
               <a:ext uri="{FF2B5EF4-FFF2-40B4-BE49-F238E27FC236}">
-                <a16:creationId xmlns:a16="http://schemas.microsoft.com/office/drawing/2014/main" id="{8BE4CA82-64EC-4D4E-A5E5-3EBB66E7B24C}"/>
+                <a16:creationId xmlns:a16="http://schemas.microsoft.com/office/drawing/2014/main" xmlns="" id="{8BE4CA82-64EC-4D4E-A5E5-3EBB66E7B24C}"/>
               </a:ext>
             </a:extLst>
           </p:cNvPr>
@@ -4735,7 +4928,7 @@
     </p:spTree>
     <p:extLst>
       <p:ext uri="{BB962C8B-B14F-4D97-AF65-F5344CB8AC3E}">
-        <p14:creationId xmlns:p14="http://schemas.microsoft.com/office/powerpoint/2010/main" val="4066255318"/>
+        <p14:creationId xmlns:p14="http://schemas.microsoft.com/office/powerpoint/2010/main" xmlns="" val="4066255318"/>
       </p:ext>
     </p:extLst>
   </p:cSld>
@@ -4767,7 +4960,7 @@
           <p:cNvPr id="2" name="Title 1">
             <a:extLst>
               <a:ext uri="{FF2B5EF4-FFF2-40B4-BE49-F238E27FC236}">
-                <a16:creationId xmlns:a16="http://schemas.microsoft.com/office/drawing/2014/main" id="{49FFEB4C-F209-4AE7-AA2B-B3C26CE2C51D}"/>
+                <a16:creationId xmlns:a16="http://schemas.microsoft.com/office/drawing/2014/main" xmlns="" id="{49FFEB4C-F209-4AE7-AA2B-B3C26CE2C51D}"/>
               </a:ext>
             </a:extLst>
           </p:cNvPr>
@@ -4806,7 +4999,7 @@
           <p:cNvPr id="3" name="Content Placeholder 2">
             <a:extLst>
               <a:ext uri="{FF2B5EF4-FFF2-40B4-BE49-F238E27FC236}">
-                <a16:creationId xmlns:a16="http://schemas.microsoft.com/office/drawing/2014/main" id="{B2678641-EEA3-4EC4-BF39-4075B0C120E8}"/>
+                <a16:creationId xmlns:a16="http://schemas.microsoft.com/office/drawing/2014/main" xmlns="" id="{B2678641-EEA3-4EC4-BF39-4075B0C120E8}"/>
               </a:ext>
             </a:extLst>
           </p:cNvPr>
@@ -4994,7 +5187,7 @@
     </p:spTree>
     <p:extLst>
       <p:ext uri="{BB962C8B-B14F-4D97-AF65-F5344CB8AC3E}">
-        <p14:creationId xmlns:p14="http://schemas.microsoft.com/office/powerpoint/2010/main" val="2900153716"/>
+        <p14:creationId xmlns:p14="http://schemas.microsoft.com/office/powerpoint/2010/main" xmlns="" val="2900153716"/>
       </p:ext>
     </p:extLst>
   </p:cSld>
@@ -5026,7 +5219,7 @@
           <p:cNvPr id="5" name="Title 4">
             <a:extLst>
               <a:ext uri="{FF2B5EF4-FFF2-40B4-BE49-F238E27FC236}">
-                <a16:creationId xmlns:a16="http://schemas.microsoft.com/office/drawing/2014/main" id="{8FBA75B4-2DD5-42EB-9397-F36BFB8BA723}"/>
+                <a16:creationId xmlns:a16="http://schemas.microsoft.com/office/drawing/2014/main" xmlns="" id="{8FBA75B4-2DD5-42EB-9397-F36BFB8BA723}"/>
               </a:ext>
             </a:extLst>
           </p:cNvPr>
@@ -5063,7 +5256,7 @@
           <p:cNvPr id="2" name="Content Placeholder 1">
             <a:extLst>
               <a:ext uri="{FF2B5EF4-FFF2-40B4-BE49-F238E27FC236}">
-                <a16:creationId xmlns:a16="http://schemas.microsoft.com/office/drawing/2014/main" id="{8FEE4A9C-3F57-7DA7-91FD-715C3FB47F93}"/>
+                <a16:creationId xmlns:a16="http://schemas.microsoft.com/office/drawing/2014/main" xmlns="" id="{8FEE4A9C-3F57-7DA7-91FD-715C3FB47F93}"/>
               </a:ext>
             </a:extLst>
           </p:cNvPr>
@@ -5128,7 +5321,7 @@
     </p:spTree>
     <p:extLst>
       <p:ext uri="{BB962C8B-B14F-4D97-AF65-F5344CB8AC3E}">
-        <p14:creationId xmlns:p14="http://schemas.microsoft.com/office/powerpoint/2010/main" val="1186421160"/>
+        <p14:creationId xmlns:p14="http://schemas.microsoft.com/office/powerpoint/2010/main" xmlns="" val="1186421160"/>
       </p:ext>
     </p:extLst>
   </p:cSld>
@@ -5160,7 +5353,7 @@
           <p:cNvPr id="5" name="Title 4">
             <a:extLst>
               <a:ext uri="{FF2B5EF4-FFF2-40B4-BE49-F238E27FC236}">
-                <a16:creationId xmlns:a16="http://schemas.microsoft.com/office/drawing/2014/main" id="{8FBA75B4-2DD5-42EB-9397-F36BFB8BA723}"/>
+                <a16:creationId xmlns:a16="http://schemas.microsoft.com/office/drawing/2014/main" xmlns="" id="{8FBA75B4-2DD5-42EB-9397-F36BFB8BA723}"/>
               </a:ext>
             </a:extLst>
           </p:cNvPr>
@@ -5197,7 +5390,7 @@
           <p:cNvPr id="2" name="Content Placeholder 1">
             <a:extLst>
               <a:ext uri="{FF2B5EF4-FFF2-40B4-BE49-F238E27FC236}">
-                <a16:creationId xmlns:a16="http://schemas.microsoft.com/office/drawing/2014/main" id="{E041FD9D-DF07-9C37-1E61-1D920E0EF1D4}"/>
+                <a16:creationId xmlns:a16="http://schemas.microsoft.com/office/drawing/2014/main" xmlns="" id="{E041FD9D-DF07-9C37-1E61-1D920E0EF1D4}"/>
               </a:ext>
             </a:extLst>
           </p:cNvPr>
@@ -5487,7 +5680,7 @@
     </p:spTree>
     <p:extLst>
       <p:ext uri="{BB962C8B-B14F-4D97-AF65-F5344CB8AC3E}">
-        <p14:creationId xmlns:p14="http://schemas.microsoft.com/office/powerpoint/2010/main" val="3210358481"/>
+        <p14:creationId xmlns:p14="http://schemas.microsoft.com/office/powerpoint/2010/main" xmlns="" val="3210358481"/>
       </p:ext>
     </p:extLst>
   </p:cSld>
@@ -5519,7 +5712,7 @@
           <p:cNvPr id="5" name="Title 4">
             <a:extLst>
               <a:ext uri="{FF2B5EF4-FFF2-40B4-BE49-F238E27FC236}">
-                <a16:creationId xmlns:a16="http://schemas.microsoft.com/office/drawing/2014/main" id="{8FBA75B4-2DD5-42EB-9397-F36BFB8BA723}"/>
+                <a16:creationId xmlns:a16="http://schemas.microsoft.com/office/drawing/2014/main" xmlns="" id="{8FBA75B4-2DD5-42EB-9397-F36BFB8BA723}"/>
               </a:ext>
             </a:extLst>
           </p:cNvPr>
@@ -5568,7 +5761,7 @@
           <p:cNvPr id="2" name="Content Placeholder 1">
             <a:extLst>
               <a:ext uri="{FF2B5EF4-FFF2-40B4-BE49-F238E27FC236}">
-                <a16:creationId xmlns:a16="http://schemas.microsoft.com/office/drawing/2014/main" id="{C4FFAF3C-BA60-9181-132C-C36C403AAEA7}"/>
+                <a16:creationId xmlns:a16="http://schemas.microsoft.com/office/drawing/2014/main" xmlns="" id="{C4FFAF3C-BA60-9181-132C-C36C403AAEA7}"/>
               </a:ext>
             </a:extLst>
           </p:cNvPr>
@@ -5626,7 +5819,7 @@
     </p:spTree>
     <p:extLst>
       <p:ext uri="{BB962C8B-B14F-4D97-AF65-F5344CB8AC3E}">
-        <p14:creationId xmlns:p14="http://schemas.microsoft.com/office/powerpoint/2010/main" val="3202024527"/>
+        <p14:creationId xmlns:p14="http://schemas.microsoft.com/office/powerpoint/2010/main" xmlns="" val="3202024527"/>
       </p:ext>
     </p:extLst>
   </p:cSld>
@@ -5658,7 +5851,7 @@
           <p:cNvPr id="5" name="Title 4">
             <a:extLst>
               <a:ext uri="{FF2B5EF4-FFF2-40B4-BE49-F238E27FC236}">
-                <a16:creationId xmlns:a16="http://schemas.microsoft.com/office/drawing/2014/main" id="{8FBA75B4-2DD5-42EB-9397-F36BFB8BA723}"/>
+                <a16:creationId xmlns:a16="http://schemas.microsoft.com/office/drawing/2014/main" xmlns="" id="{8FBA75B4-2DD5-42EB-9397-F36BFB8BA723}"/>
               </a:ext>
             </a:extLst>
           </p:cNvPr>
@@ -5696,7 +5889,7 @@
           <p:cNvPr id="2" name="Content Placeholder 1">
             <a:extLst>
               <a:ext uri="{FF2B5EF4-FFF2-40B4-BE49-F238E27FC236}">
-                <a16:creationId xmlns:a16="http://schemas.microsoft.com/office/drawing/2014/main" id="{F7F0871F-2198-9E37-C96F-3611AA199B60}"/>
+                <a16:creationId xmlns:a16="http://schemas.microsoft.com/office/drawing/2014/main" xmlns="" id="{F7F0871F-2198-9E37-C96F-3611AA199B60}"/>
               </a:ext>
             </a:extLst>
           </p:cNvPr>
@@ -5819,7 +6012,7 @@
     </p:spTree>
     <p:extLst>
       <p:ext uri="{BB962C8B-B14F-4D97-AF65-F5344CB8AC3E}">
-        <p14:creationId xmlns:p14="http://schemas.microsoft.com/office/powerpoint/2010/main" val="4154508776"/>
+        <p14:creationId xmlns:p14="http://schemas.microsoft.com/office/powerpoint/2010/main" xmlns="" val="4154508776"/>
       </p:ext>
     </p:extLst>
   </p:cSld>
@@ -5851,7 +6044,7 @@
           <p:cNvPr id="5" name="Title 4">
             <a:extLst>
               <a:ext uri="{FF2B5EF4-FFF2-40B4-BE49-F238E27FC236}">
-                <a16:creationId xmlns:a16="http://schemas.microsoft.com/office/drawing/2014/main" id="{8FBA75B4-2DD5-42EB-9397-F36BFB8BA723}"/>
+                <a16:creationId xmlns:a16="http://schemas.microsoft.com/office/drawing/2014/main" xmlns="" id="{8FBA75B4-2DD5-42EB-9397-F36BFB8BA723}"/>
               </a:ext>
             </a:extLst>
           </p:cNvPr>
@@ -5889,7 +6082,7 @@
           <p:cNvPr id="2" name="Content Placeholder 1">
             <a:extLst>
               <a:ext uri="{FF2B5EF4-FFF2-40B4-BE49-F238E27FC236}">
-                <a16:creationId xmlns:a16="http://schemas.microsoft.com/office/drawing/2014/main" id="{D3304455-6802-6CA9-8475-2F6DD1B8D409}"/>
+                <a16:creationId xmlns:a16="http://schemas.microsoft.com/office/drawing/2014/main" xmlns="" id="{D3304455-6802-6CA9-8475-2F6DD1B8D409}"/>
               </a:ext>
             </a:extLst>
           </p:cNvPr>
@@ -5927,7 +6120,7 @@
     </p:spTree>
     <p:extLst>
       <p:ext uri="{BB962C8B-B14F-4D97-AF65-F5344CB8AC3E}">
-        <p14:creationId xmlns:p14="http://schemas.microsoft.com/office/powerpoint/2010/main" val="1483293388"/>
+        <p14:creationId xmlns:p14="http://schemas.microsoft.com/office/powerpoint/2010/main" xmlns="" val="1483293388"/>
       </p:ext>
     </p:extLst>
   </p:cSld>
@@ -5959,7 +6152,7 @@
           <p:cNvPr id="5" name="Title 4">
             <a:extLst>
               <a:ext uri="{FF2B5EF4-FFF2-40B4-BE49-F238E27FC236}">
-                <a16:creationId xmlns:a16="http://schemas.microsoft.com/office/drawing/2014/main" id="{8FBA75B4-2DD5-42EB-9397-F36BFB8BA723}"/>
+                <a16:creationId xmlns:a16="http://schemas.microsoft.com/office/drawing/2014/main" xmlns="" id="{8FBA75B4-2DD5-42EB-9397-F36BFB8BA723}"/>
               </a:ext>
             </a:extLst>
           </p:cNvPr>
@@ -5997,7 +6190,7 @@
           <p:cNvPr id="2" name="Content Placeholder 1">
             <a:extLst>
               <a:ext uri="{FF2B5EF4-FFF2-40B4-BE49-F238E27FC236}">
-                <a16:creationId xmlns:a16="http://schemas.microsoft.com/office/drawing/2014/main" id="{005E46AB-32C4-4B57-A2B1-50738A64BE1B}"/>
+                <a16:creationId xmlns:a16="http://schemas.microsoft.com/office/drawing/2014/main" xmlns="" id="{005E46AB-32C4-4B57-A2B1-50738A64BE1B}"/>
               </a:ext>
             </a:extLst>
           </p:cNvPr>
@@ -6033,7 +6226,7 @@
     </p:spTree>
     <p:extLst>
       <p:ext uri="{BB962C8B-B14F-4D97-AF65-F5344CB8AC3E}">
-        <p14:creationId xmlns:p14="http://schemas.microsoft.com/office/powerpoint/2010/main" val="3183315129"/>
+        <p14:creationId xmlns:p14="http://schemas.microsoft.com/office/powerpoint/2010/main" xmlns="" val="3183315129"/>
       </p:ext>
     </p:extLst>
   </p:cSld>
@@ -6065,7 +6258,7 @@
           <p:cNvPr id="3" name="Content Placeholder 2">
             <a:extLst>
               <a:ext uri="{FF2B5EF4-FFF2-40B4-BE49-F238E27FC236}">
-                <a16:creationId xmlns:a16="http://schemas.microsoft.com/office/drawing/2014/main" id="{A6638FD1-D00E-E75B-705C-564F06D93D7B}"/>
+                <a16:creationId xmlns:a16="http://schemas.microsoft.com/office/drawing/2014/main" xmlns="" id="{A6638FD1-D00E-E75B-705C-564F06D93D7B}"/>
               </a:ext>
             </a:extLst>
           </p:cNvPr>
@@ -6108,7 +6301,7 @@
           <p:cNvPr id="5" name="Title 4">
             <a:extLst>
               <a:ext uri="{FF2B5EF4-FFF2-40B4-BE49-F238E27FC236}">
-                <a16:creationId xmlns:a16="http://schemas.microsoft.com/office/drawing/2014/main" id="{3F968F13-9AC4-7120-7ACD-9F752C767D5D}"/>
+                <a16:creationId xmlns:a16="http://schemas.microsoft.com/office/drawing/2014/main" xmlns="" id="{3F968F13-9AC4-7120-7ACD-9F752C767D5D}"/>
               </a:ext>
             </a:extLst>
           </p:cNvPr>
@@ -6225,7 +6418,7 @@
     </p:spTree>
     <p:extLst>
       <p:ext uri="{BB962C8B-B14F-4D97-AF65-F5344CB8AC3E}">
-        <p14:creationId xmlns:p14="http://schemas.microsoft.com/office/powerpoint/2010/main" val="614882681"/>
+        <p14:creationId xmlns:p14="http://schemas.microsoft.com/office/powerpoint/2010/main" xmlns="" val="614882681"/>
       </p:ext>
     </p:extLst>
   </p:cSld>
@@ -6278,7 +6471,7 @@
     </a:clrScheme>
     <a:fontScheme name="Dividend">
       <a:majorFont>
-        <a:latin typeface="Franklin Gothic Demi" panose="020B0502020104020203"/>
+        <a:latin typeface="Franklin Gothic Demi"/>
         <a:ea typeface=""/>
         <a:cs typeface=""/>
         <a:font script="Grek" typeface="Corbel"/>
@@ -6315,7 +6508,7 @@
         <a:font script="Geor" typeface="Sylfaen"/>
       </a:majorFont>
       <a:minorFont>
-        <a:latin typeface="Franklin Gothic Book" panose="020B0502020104020203"/>
+        <a:latin typeface="Franklin Gothic Book"/>
         <a:ea typeface=""/>
         <a:cs typeface=""/>
         <a:font script="Grek" typeface="Corbel"/>
@@ -6498,7 +6691,7 @@
   <a:extraClrSchemeLst/>
   <a:extLst>
     <a:ext uri="{05A4C25C-085E-4340-85A3-A5531E510DB2}">
-      <thm15:themeFamily xmlns:thm15="http://schemas.microsoft.com/office/thememl/2012/main" name="DividendVTI" id="{97558BDE-0B66-457C-BB6F-7B1B22DAA9B8}" vid="{F53508A3-AC60-448A-AF37-934D5F1A0D5E}"/>
+      <thm15:themeFamily xmlns:thm15="http://schemas.microsoft.com/office/thememl/2012/main" xmlns="" name="DividendVTI" id="{97558BDE-0B66-457C-BB6F-7B1B22DAA9B8}" vid="{F53508A3-AC60-448A-AF37-934D5F1A0D5E}"/>
     </a:ext>
   </a:extLst>
 </a:theme>
@@ -6547,7 +6740,7 @@
     </a:clrScheme>
     <a:fontScheme name="Office">
       <a:majorFont>
-        <a:latin typeface="Calibri Light" panose="020F0302020204030204"/>
+        <a:latin typeface="Calibri Light"/>
         <a:ea typeface=""/>
         <a:cs typeface=""/>
         <a:font script="Jpan" typeface="游ゴシック Light"/>
@@ -6599,7 +6792,7 @@
         <a:font script="Tfng" typeface="Ebrima"/>
       </a:majorFont>
       <a:minorFont>
-        <a:latin typeface="Calibri" panose="020F0502020204030204"/>
+        <a:latin typeface="Calibri"/>
         <a:ea typeface=""/>
         <a:cs typeface=""/>
         <a:font script="Jpan" typeface="游ゴシック"/>
@@ -6793,31 +6986,13 @@
   <a:extraClrSchemeLst/>
   <a:extLst>
     <a:ext uri="{05A4C25C-085E-4340-85A3-A5531E510DB2}">
-      <thm15:themeFamily xmlns:thm15="http://schemas.microsoft.com/office/thememl/2012/main" name="Office Theme" id="{62F939B6-93AF-4DB8-9C6B-D6C7DFDC589F}" vid="{4A3C46E8-61CC-4603-A589-7422A47A8E4A}"/>
+      <thm15:themeFamily xmlns:thm15="http://schemas.microsoft.com/office/thememl/2012/main" xmlns="" name="Office Theme" id="{62F939B6-93AF-4DB8-9C6B-D6C7DFDC589F}" vid="{4A3C46E8-61CC-4603-A589-7422A47A8E4A}"/>
     </a:ext>
   </a:extLst>
 </a:theme>
 </file>
 
 <file path=customXml/item1.xml><?xml version="1.0" encoding="utf-8"?>
-<p:properties xmlns:p="http://schemas.microsoft.com/office/2006/metadata/properties" xmlns:xsi="http://www.w3.org/2001/XMLSchema-instance" xmlns:pc="http://schemas.microsoft.com/office/infopath/2007/PartnerControls">
-  <documentManagement>
-    <MediaServiceKeyPoints xmlns="9162bd5b-4ed9-4da3-b376-05204580ba3f" xsi:nil="true"/>
-    <_activity xmlns="9162bd5b-4ed9-4da3-b376-05204580ba3f" xsi:nil="true"/>
-  </documentManagement>
-</p:properties>
-</file>
-
-<file path=customXml/item2.xml><?xml version="1.0" encoding="utf-8"?>
-<?mso-contentType ?>
-<FormTemplates xmlns="http://schemas.microsoft.com/sharepoint/v3/contenttype/forms">
-  <Display>DocumentLibraryForm</Display>
-  <Edit>DocumentLibraryForm</Edit>
-  <New>DocumentLibraryForm</New>
-</FormTemplates>
-</file>
-
-<file path=customXml/item3.xml><?xml version="1.0" encoding="utf-8"?>
 <ct:contentTypeSchema xmlns:ct="http://schemas.microsoft.com/office/2006/metadata/contentType" xmlns:ma="http://schemas.microsoft.com/office/2006/metadata/properties/metaAttributes" ct:_="" ma:_="" ma:contentTypeName="Document" ma:contentTypeID="0x0101000F1872188ABCFC48BECA6C87E8AC3285" ma:contentTypeVersion="17" ma:contentTypeDescription="Create a new document." ma:contentTypeScope="" ma:versionID="55a158675e089c6a85ab0f83b89e1a15">
   <xsd:schema xmlns:xsd="http://www.w3.org/2001/XMLSchema" xmlns:xs="http://www.w3.org/2001/XMLSchema" xmlns:p="http://schemas.microsoft.com/office/2006/metadata/properties" xmlns:ns3="9162bd5b-4ed9-4da3-b376-05204580ba3f" xmlns:ns4="c0fa2617-96bd-425d-8578-e93563fe37c5" targetNamespace="http://schemas.microsoft.com/office/2006/metadata/properties" ma:root="true" ma:fieldsID="b35f082308864fa161c4a0a9eca35eff" ns3:_="" ns4:_="">
     <xsd:import namespace="9162bd5b-4ed9-4da3-b376-05204580ba3f"/>
@@ -7064,32 +7239,25 @@
 </ct:contentTypeSchema>
 </file>
 
-<file path=customXml/itemProps1.xml><?xml version="1.0" encoding="utf-8"?>
-<ds:datastoreItem xmlns:ds="http://schemas.openxmlformats.org/officeDocument/2006/customXml" ds:itemID="{8D289AE2-D2AE-49D1-AFAC-3A79F6794255}">
-  <ds:schemaRefs>
-    <ds:schemaRef ds:uri="9162bd5b-4ed9-4da3-b376-05204580ba3f"/>
-    <ds:schemaRef ds:uri="c0fa2617-96bd-425d-8578-e93563fe37c5"/>
-    <ds:schemaRef ds:uri="http://purl.org/dc/dcmitype/"/>
-    <ds:schemaRef ds:uri="http://purl.org/dc/elements/1.1/"/>
-    <ds:schemaRef ds:uri="http://purl.org/dc/terms/"/>
-    <ds:schemaRef ds:uri="http://schemas.microsoft.com/office/2006/documentManagement/types"/>
-    <ds:schemaRef ds:uri="http://schemas.microsoft.com/office/2006/metadata/properties"/>
-    <ds:schemaRef ds:uri="http://schemas.microsoft.com/office/infopath/2007/PartnerControls"/>
-    <ds:schemaRef ds:uri="http://schemas.openxmlformats.org/package/2006/metadata/core-properties"/>
-    <ds:schemaRef ds:uri="http://www.w3.org/XML/1998/namespace"/>
-  </ds:schemaRefs>
-</ds:datastoreItem>
+<file path=customXml/item2.xml><?xml version="1.0" encoding="utf-8"?>
+<?mso-contentType ?>
+<FormTemplates xmlns="http://schemas.microsoft.com/sharepoint/v3/contenttype/forms">
+  <Display>DocumentLibraryForm</Display>
+  <Edit>DocumentLibraryForm</Edit>
+  <New>DocumentLibraryForm</New>
+</FormTemplates>
 </file>
 
-<file path=customXml/itemProps2.xml><?xml version="1.0" encoding="utf-8"?>
-<ds:datastoreItem xmlns:ds="http://schemas.openxmlformats.org/officeDocument/2006/customXml" ds:itemID="{927BD4C1-B6B1-4715-ABF9-E660A51A4EA0}">
-  <ds:schemaRefs>
-    <ds:schemaRef ds:uri="http://schemas.microsoft.com/sharepoint/v3/contenttype/forms"/>
-  </ds:schemaRefs>
-</ds:datastoreItem>
+<file path=customXml/item3.xml><?xml version="1.0" encoding="utf-8"?>
+<p:properties xmlns:p="http://schemas.microsoft.com/office/2006/metadata/properties" xmlns:xsi="http://www.w3.org/2001/XMLSchema-instance" xmlns:pc="http://schemas.microsoft.com/office/infopath/2007/PartnerControls">
+  <documentManagement>
+    <MediaServiceKeyPoints xmlns="9162bd5b-4ed9-4da3-b376-05204580ba3f" xsi:nil="true"/>
+    <_activity xmlns="9162bd5b-4ed9-4da3-b376-05204580ba3f" xsi:nil="true"/>
+  </documentManagement>
+</p:properties>
 </file>
 
-<file path=customXml/itemProps3.xml><?xml version="1.0" encoding="utf-8"?>
+<file path=customXml/itemProps1.xml><?xml version="1.0" encoding="utf-8"?>
 <ds:datastoreItem xmlns:ds="http://schemas.openxmlformats.org/officeDocument/2006/customXml" ds:itemID="{6E816721-11E4-4989-8472-AB5A7EC20404}">
   <ds:schemaRefs>
     <ds:schemaRef ds:uri="9162bd5b-4ed9-4da3-b376-05204580ba3f"/>
@@ -7106,4 +7274,29 @@
     <ds:schemaRef ds:uri="http://www.w3.org/2001/XMLSchema"/>
   </ds:schemaRefs>
 </ds:datastoreItem>
+</file>
+
+<file path=customXml/itemProps2.xml><?xml version="1.0" encoding="utf-8"?>
+<ds:datastoreItem xmlns:ds="http://schemas.openxmlformats.org/officeDocument/2006/customXml" ds:itemID="{927BD4C1-B6B1-4715-ABF9-E660A51A4EA0}">
+  <ds:schemaRefs>
+    <ds:schemaRef ds:uri="http://schemas.microsoft.com/sharepoint/v3/contenttype/forms"/>
+  </ds:schemaRefs>
+</ds:datastoreItem>
+</file>
+
+<file path=customXml/itemProps3.xml><?xml version="1.0" encoding="utf-8"?>
+<ds:datastoreItem xmlns:ds="http://schemas.openxmlformats.org/officeDocument/2006/customXml" ds:itemID="{8D289AE2-D2AE-49D1-AFAC-3A79F6794255}">
+  <ds:schemaRefs>
+    <ds:schemaRef ds:uri="9162bd5b-4ed9-4da3-b376-05204580ba3f"/>
+    <ds:schemaRef ds:uri="c0fa2617-96bd-425d-8578-e93563fe37c5"/>
+    <ds:schemaRef ds:uri="http://purl.org/dc/dcmitype/"/>
+    <ds:schemaRef ds:uri="http://purl.org/dc/elements/1.1/"/>
+    <ds:schemaRef ds:uri="http://purl.org/dc/terms/"/>
+    <ds:schemaRef ds:uri="http://schemas.microsoft.com/office/2006/documentManagement/types"/>
+    <ds:schemaRef ds:uri="http://schemas.microsoft.com/office/2006/metadata/properties"/>
+    <ds:schemaRef ds:uri="http://schemas.microsoft.com/office/infopath/2007/PartnerControls"/>
+    <ds:schemaRef ds:uri="http://schemas.openxmlformats.org/package/2006/metadata/core-properties"/>
+    <ds:schemaRef ds:uri="http://www.w3.org/XML/1998/namespace"/>
+  </ds:schemaRefs>
+</ds:datastoreItem>
 </file>